--- a/spark_Core.pptx
+++ b/spark_Core.pptx
@@ -264,7 +264,7 @@
           <a:p>
             <a:fld id="{B64C1ED4-9A6C-43C4-98A5-C256C971793C}" type="datetimeFigureOut">
               <a:rPr lang="en-US" smtClean="0"/>
-              <a:t>2/1/2020</a:t>
+              <a:t>11/4/2019</a:t>
             </a:fld>
             <a:endParaRPr lang="en-US"/>
           </a:p>
@@ -747,7 +747,7 @@
           <a:p>
             <a:fld id="{54DA4621-A440-49CE-88C9-CEF5F798425C}" type="datetimeFigureOut">
               <a:rPr lang="en-US" smtClean="0"/>
-              <a:t>2/1/2020</a:t>
+              <a:t>11/4/2019</a:t>
             </a:fld>
             <a:endParaRPr lang="en-US"/>
           </a:p>
@@ -917,7 +917,7 @@
           <a:p>
             <a:fld id="{54DA4621-A440-49CE-88C9-CEF5F798425C}" type="datetimeFigureOut">
               <a:rPr lang="en-US" smtClean="0"/>
-              <a:t>2/1/2020</a:t>
+              <a:t>11/4/2019</a:t>
             </a:fld>
             <a:endParaRPr lang="en-US"/>
           </a:p>
@@ -1097,7 +1097,7 @@
           <a:p>
             <a:fld id="{54DA4621-A440-49CE-88C9-CEF5F798425C}" type="datetimeFigureOut">
               <a:rPr lang="en-US" smtClean="0"/>
-              <a:t>2/1/2020</a:t>
+              <a:t>11/4/2019</a:t>
             </a:fld>
             <a:endParaRPr lang="en-US"/>
           </a:p>
@@ -1267,7 +1267,7 @@
           <a:p>
             <a:fld id="{54DA4621-A440-49CE-88C9-CEF5F798425C}" type="datetimeFigureOut">
               <a:rPr lang="en-US" smtClean="0"/>
-              <a:t>2/1/2020</a:t>
+              <a:t>11/4/2019</a:t>
             </a:fld>
             <a:endParaRPr lang="en-US"/>
           </a:p>
@@ -1513,7 +1513,7 @@
           <a:p>
             <a:fld id="{54DA4621-A440-49CE-88C9-CEF5F798425C}" type="datetimeFigureOut">
               <a:rPr lang="en-US" smtClean="0"/>
-              <a:t>2/1/2020</a:t>
+              <a:t>11/4/2019</a:t>
             </a:fld>
             <a:endParaRPr lang="en-US"/>
           </a:p>
@@ -1745,7 +1745,7 @@
           <a:p>
             <a:fld id="{54DA4621-A440-49CE-88C9-CEF5F798425C}" type="datetimeFigureOut">
               <a:rPr lang="en-US" smtClean="0"/>
-              <a:t>2/1/2020</a:t>
+              <a:t>11/4/2019</a:t>
             </a:fld>
             <a:endParaRPr lang="en-US"/>
           </a:p>
@@ -2112,7 +2112,7 @@
           <a:p>
             <a:fld id="{54DA4621-A440-49CE-88C9-CEF5F798425C}" type="datetimeFigureOut">
               <a:rPr lang="en-US" smtClean="0"/>
-              <a:t>2/1/2020</a:t>
+              <a:t>11/4/2019</a:t>
             </a:fld>
             <a:endParaRPr lang="en-US"/>
           </a:p>
@@ -2230,7 +2230,7 @@
           <a:p>
             <a:fld id="{54DA4621-A440-49CE-88C9-CEF5F798425C}" type="datetimeFigureOut">
               <a:rPr lang="en-US" smtClean="0"/>
-              <a:t>2/1/2020</a:t>
+              <a:t>11/4/2019</a:t>
             </a:fld>
             <a:endParaRPr lang="en-US"/>
           </a:p>
@@ -2325,7 +2325,7 @@
           <a:p>
             <a:fld id="{54DA4621-A440-49CE-88C9-CEF5F798425C}" type="datetimeFigureOut">
               <a:rPr lang="en-US" smtClean="0"/>
-              <a:t>2/1/2020</a:t>
+              <a:t>11/4/2019</a:t>
             </a:fld>
             <a:endParaRPr lang="en-US"/>
           </a:p>
@@ -2602,7 +2602,7 @@
           <a:p>
             <a:fld id="{54DA4621-A440-49CE-88C9-CEF5F798425C}" type="datetimeFigureOut">
               <a:rPr lang="en-US" smtClean="0"/>
-              <a:t>2/1/2020</a:t>
+              <a:t>11/4/2019</a:t>
             </a:fld>
             <a:endParaRPr lang="en-US"/>
           </a:p>
@@ -2855,7 +2855,7 @@
           <a:p>
             <a:fld id="{54DA4621-A440-49CE-88C9-CEF5F798425C}" type="datetimeFigureOut">
               <a:rPr lang="en-US" smtClean="0"/>
-              <a:t>2/1/2020</a:t>
+              <a:t>11/4/2019</a:t>
             </a:fld>
             <a:endParaRPr lang="en-US"/>
           </a:p>
@@ -3068,7 +3068,7 @@
           <a:p>
             <a:fld id="{54DA4621-A440-49CE-88C9-CEF5F798425C}" type="datetimeFigureOut">
               <a:rPr lang="en-US" smtClean="0"/>
-              <a:t>2/1/2020</a:t>
+              <a:t>11/4/2019</a:t>
             </a:fld>
             <a:endParaRPr lang="en-US"/>
           </a:p>
@@ -13009,10 +13009,18 @@
                   <a:srgbClr val="990033"/>
                 </a:solidFill>
               </a:rPr>
-              <a:t>uses Apache Spark to provide targeted offers, enhance customer experience, and to optimize the overall performance. Apache Spark engine is leveraged at eBay through Hadoop YARN.YARN manages all the cluster resources to run generic tasks. EBay spark users leverage the Hadoop clusters in the range of 2000 nodes, 20,000 </a:t>
-            </a:r>
-            <a:r>
-              <a:rPr lang="en-US" dirty="0" smtClean="0">
+              <a:t>uses Apache Spark to provide targeted offers, enhance customer experience, and to optimize the overall performance. Apache Spark engine is leveraged at eBay through Hadoop YARN.YARN manages all the cluster resources to run generic tasks. EBay spark users leverage the Hadoop clusters in the range of 2000 nodes, </a:t>
+            </a:r>
+            <a:r>
+              <a:rPr lang="en-US">
+                <a:solidFill>
+                  <a:srgbClr val="990033"/>
+                </a:solidFill>
+              </a:rPr>
+              <a:t>20,000 </a:t>
+            </a:r>
+            <a:r>
+              <a:rPr lang="en-US" smtClean="0">
                 <a:solidFill>
                   <a:srgbClr val="990033"/>
                 </a:solidFill>
@@ -22647,7 +22655,23 @@
                   <a:srgbClr val="990033"/>
                 </a:solidFill>
               </a:rPr>
-              <a:t>Data is cached in memory in non-serialized format.</a:t>
+              <a:t>Data is cached in </a:t>
+            </a:r>
+            <a:r>
+              <a:rPr lang="en-US" sz="1800" dirty="0" smtClean="0">
+                <a:solidFill>
+                  <a:srgbClr val="990033"/>
+                </a:solidFill>
+              </a:rPr>
+              <a:t>memory </a:t>
+            </a:r>
+            <a:r>
+              <a:rPr lang="en-US" sz="1800" dirty="0" smtClean="0">
+                <a:solidFill>
+                  <a:srgbClr val="990033"/>
+                </a:solidFill>
+              </a:rPr>
+              <a:t>in non-serialized format.</a:t>
             </a:r>
           </a:p>
           <a:p>
